--- a/G24 Review 0 Revised.pptx
+++ b/G24 Review 0 Revised.pptx
@@ -15458,7 +15458,7 @@
                 <a:latin typeface="Cambria" panose="02040503050406030204" pitchFamily="18" charset="0"/>
                 <a:ea typeface="Cambria" panose="02040503050406030204" pitchFamily="18" charset="0"/>
               </a:rPr>
-              <a:t>References (IEEE Paper format)</a:t>
+              <a:t>References </a:t>
             </a:r>
             <a:endParaRPr dirty="0">
               <a:latin typeface="Cambria" panose="02040503050406030204" pitchFamily="18" charset="0"/>
